--- a/VIVADO HLS Training - AXI Lite slave floating.pptx
+++ b/VIVADO HLS Training - AXI Lite slave floating.pptx
@@ -8,27 +8,6 @@
     <p:sldId id="256" r:id="rId2"/>
     <p:sldId id="258" r:id="rId3"/>
     <p:sldId id="259" r:id="rId4"/>
-    <p:sldId id="260" r:id="rId5"/>
-    <p:sldId id="272" r:id="rId6"/>
-    <p:sldId id="273" r:id="rId7"/>
-    <p:sldId id="274" r:id="rId8"/>
-    <p:sldId id="275" r:id="rId9"/>
-    <p:sldId id="276" r:id="rId10"/>
-    <p:sldId id="277" r:id="rId11"/>
-    <p:sldId id="279" r:id="rId12"/>
-    <p:sldId id="280" r:id="rId13"/>
-    <p:sldId id="261" r:id="rId14"/>
-    <p:sldId id="262" r:id="rId15"/>
-    <p:sldId id="263" r:id="rId16"/>
-    <p:sldId id="264" r:id="rId17"/>
-    <p:sldId id="265" r:id="rId18"/>
-    <p:sldId id="266" r:id="rId19"/>
-    <p:sldId id="267" r:id="rId20"/>
-    <p:sldId id="268" r:id="rId21"/>
-    <p:sldId id="269" r:id="rId22"/>
-    <p:sldId id="270" r:id="rId23"/>
-    <p:sldId id="271" r:id="rId24"/>
-    <p:sldId id="257" r:id="rId25"/>
   </p:sldIdLst>
   <p:sldSz cx="9144000" cy="6858000" type="screen4x3"/>
   <p:notesSz cx="6858000" cy="9144000"/>
@@ -311,7 +290,7 @@
           <a:p>
             <a:fld id="{724FC266-CE21-4E74-A3DD-63EDED9634FB}" type="datetimeFigureOut">
               <a:rPr lang="zh-TW" altLang="en-US" smtClean="0"/>
-              <a:t>2018/8/22</a:t>
+              <a:t>2022/8/8</a:t>
             </a:fld>
             <a:endParaRPr lang="zh-TW" altLang="en-US"/>
           </a:p>
@@ -481,7 +460,7 @@
           <a:p>
             <a:fld id="{724FC266-CE21-4E74-A3DD-63EDED9634FB}" type="datetimeFigureOut">
               <a:rPr lang="zh-TW" altLang="en-US" smtClean="0"/>
-              <a:t>2018/8/22</a:t>
+              <a:t>2022/8/8</a:t>
             </a:fld>
             <a:endParaRPr lang="zh-TW" altLang="en-US"/>
           </a:p>
@@ -661,7 +640,7 @@
           <a:p>
             <a:fld id="{724FC266-CE21-4E74-A3DD-63EDED9634FB}" type="datetimeFigureOut">
               <a:rPr lang="zh-TW" altLang="en-US" smtClean="0"/>
-              <a:t>2018/8/22</a:t>
+              <a:t>2022/8/8</a:t>
             </a:fld>
             <a:endParaRPr lang="zh-TW" altLang="en-US"/>
           </a:p>
@@ -831,7 +810,7 @@
           <a:p>
             <a:fld id="{724FC266-CE21-4E74-A3DD-63EDED9634FB}" type="datetimeFigureOut">
               <a:rPr lang="zh-TW" altLang="en-US" smtClean="0"/>
-              <a:t>2018/8/22</a:t>
+              <a:t>2022/8/8</a:t>
             </a:fld>
             <a:endParaRPr lang="zh-TW" altLang="en-US"/>
           </a:p>
@@ -1077,7 +1056,7 @@
           <a:p>
             <a:fld id="{724FC266-CE21-4E74-A3DD-63EDED9634FB}" type="datetimeFigureOut">
               <a:rPr lang="zh-TW" altLang="en-US" smtClean="0"/>
-              <a:t>2018/8/22</a:t>
+              <a:t>2022/8/8</a:t>
             </a:fld>
             <a:endParaRPr lang="zh-TW" altLang="en-US"/>
           </a:p>
@@ -1365,7 +1344,7 @@
           <a:p>
             <a:fld id="{724FC266-CE21-4E74-A3DD-63EDED9634FB}" type="datetimeFigureOut">
               <a:rPr lang="zh-TW" altLang="en-US" smtClean="0"/>
-              <a:t>2018/8/22</a:t>
+              <a:t>2022/8/8</a:t>
             </a:fld>
             <a:endParaRPr lang="zh-TW" altLang="en-US"/>
           </a:p>
@@ -1787,7 +1766,7 @@
           <a:p>
             <a:fld id="{724FC266-CE21-4E74-A3DD-63EDED9634FB}" type="datetimeFigureOut">
               <a:rPr lang="zh-TW" altLang="en-US" smtClean="0"/>
-              <a:t>2018/8/22</a:t>
+              <a:t>2022/8/8</a:t>
             </a:fld>
             <a:endParaRPr lang="zh-TW" altLang="en-US"/>
           </a:p>
@@ -1905,7 +1884,7 @@
           <a:p>
             <a:fld id="{724FC266-CE21-4E74-A3DD-63EDED9634FB}" type="datetimeFigureOut">
               <a:rPr lang="zh-TW" altLang="en-US" smtClean="0"/>
-              <a:t>2018/8/22</a:t>
+              <a:t>2022/8/8</a:t>
             </a:fld>
             <a:endParaRPr lang="zh-TW" altLang="en-US"/>
           </a:p>
@@ -2000,7 +1979,7 @@
           <a:p>
             <a:fld id="{724FC266-CE21-4E74-A3DD-63EDED9634FB}" type="datetimeFigureOut">
               <a:rPr lang="zh-TW" altLang="en-US" smtClean="0"/>
-              <a:t>2018/8/22</a:t>
+              <a:t>2022/8/8</a:t>
             </a:fld>
             <a:endParaRPr lang="zh-TW" altLang="en-US"/>
           </a:p>
@@ -2277,7 +2256,7 @@
           <a:p>
             <a:fld id="{724FC266-CE21-4E74-A3DD-63EDED9634FB}" type="datetimeFigureOut">
               <a:rPr lang="zh-TW" altLang="en-US" smtClean="0"/>
-              <a:t>2018/8/22</a:t>
+              <a:t>2022/8/8</a:t>
             </a:fld>
             <a:endParaRPr lang="zh-TW" altLang="en-US"/>
           </a:p>
@@ -2530,7 +2509,7 @@
           <a:p>
             <a:fld id="{724FC266-CE21-4E74-A3DD-63EDED9634FB}" type="datetimeFigureOut">
               <a:rPr lang="zh-TW" altLang="en-US" smtClean="0"/>
-              <a:t>2018/8/22</a:t>
+              <a:t>2022/8/8</a:t>
             </a:fld>
             <a:endParaRPr lang="zh-TW" altLang="en-US"/>
           </a:p>
@@ -2595,18 +2574,9 @@
 <p:sldMaster xmlns:a="http://schemas.openxmlformats.org/drawingml/2006/main" xmlns:r="http://schemas.openxmlformats.org/officeDocument/2006/relationships" xmlns:p="http://schemas.openxmlformats.org/presentationml/2006/main">
   <p:cSld>
     <p:bg>
-      <p:bgPr>
-        <a:blipFill dpi="0" rotWithShape="1">
-          <a:blip r:embed="rId13">
-            <a:lum/>
-          </a:blip>
-          <a:srcRect/>
-          <a:stretch>
-            <a:fillRect/>
-          </a:stretch>
-        </a:blipFill>
-        <a:effectLst/>
-      </p:bgPr>
+      <p:bgRef idx="1001">
+        <a:schemeClr val="bg1"/>
+      </p:bgRef>
     </p:bg>
     <p:spTree>
       <p:nvGrpSpPr>
@@ -2752,7 +2722,7 @@
           <a:p>
             <a:fld id="{724FC266-CE21-4E74-A3DD-63EDED9634FB}" type="datetimeFigureOut">
               <a:rPr lang="zh-TW" altLang="en-US" smtClean="0"/>
-              <a:t>2018/8/22</a:t>
+              <a:t>2022/8/8</a:t>
             </a:fld>
             <a:endParaRPr lang="zh-TW" altLang="en-US"/>
           </a:p>
@@ -3219,492 +3189,6 @@
 </p:sld>
 </file>
 
-<file path=ppt/slides/slide10.xml><?xml version="1.0" encoding="utf-8"?>
-<p:sld xmlns:a="http://schemas.openxmlformats.org/drawingml/2006/main" xmlns:r="http://schemas.openxmlformats.org/officeDocument/2006/relationships" xmlns:p="http://schemas.openxmlformats.org/presentationml/2006/main">
-  <p:cSld>
-    <p:spTree>
-      <p:nvGrpSpPr>
-        <p:cNvPr id="1" name=""/>
-        <p:cNvGrpSpPr/>
-        <p:nvPr/>
-      </p:nvGrpSpPr>
-      <p:grpSpPr>
-        <a:xfrm>
-          <a:off x="0" y="0"/>
-          <a:ext cx="0" cy="0"/>
-          <a:chOff x="0" y="0"/>
-          <a:chExt cx="0" cy="0"/>
-        </a:xfrm>
-      </p:grpSpPr>
-      <p:sp>
-        <p:nvSpPr>
-          <p:cNvPr id="2" name="文字方塊 1"/>
-          <p:cNvSpPr txBox="1"/>
-          <p:nvPr/>
-        </p:nvSpPr>
-        <p:spPr>
-          <a:xfrm>
-            <a:off x="7126358" y="44624"/>
-            <a:ext cx="1982146" cy="369332"/>
-          </a:xfrm>
-          <a:prstGeom prst="rect">
-            <a:avLst/>
-          </a:prstGeom>
-          <a:noFill/>
-        </p:spPr>
-        <p:txBody>
-          <a:bodyPr wrap="none" rtlCol="0">
-            <a:spAutoFit/>
-          </a:bodyPr>
-          <a:lstStyle/>
-          <a:p>
-            <a:r>
-              <a:rPr lang="en-US" altLang="zh-TW" b="1" dirty="0" smtClean="0">
-                <a:solidFill>
-                  <a:srgbClr val="FF0000"/>
-                </a:solidFill>
-              </a:rPr>
-              <a:t>VIVADO  </a:t>
-            </a:r>
-            <a:r>
-              <a:rPr lang="zh-CN" altLang="en-US" b="1" dirty="0" smtClean="0">
-                <a:solidFill>
-                  <a:srgbClr val="FF0000"/>
-                </a:solidFill>
-              </a:rPr>
-              <a:t>系統設計</a:t>
-            </a:r>
-            <a:endParaRPr lang="zh-TW" altLang="en-US" b="1" dirty="0">
-              <a:solidFill>
-                <a:srgbClr val="FF0000"/>
-              </a:solidFill>
-            </a:endParaRPr>
-          </a:p>
-        </p:txBody>
-      </p:sp>
-    </p:spTree>
-    <p:extLst>
-      <p:ext uri="{BB962C8B-B14F-4D97-AF65-F5344CB8AC3E}">
-        <p14:creationId xmlns:p14="http://schemas.microsoft.com/office/powerpoint/2010/main" val="736880098"/>
-      </p:ext>
-    </p:extLst>
-  </p:cSld>
-  <p:clrMapOvr>
-    <a:masterClrMapping/>
-  </p:clrMapOvr>
-  <p:timing>
-    <p:tnLst>
-      <p:par>
-        <p:cTn id="1" dur="indefinite" restart="never" nodeType="tmRoot"/>
-      </p:par>
-    </p:tnLst>
-  </p:timing>
-</p:sld>
-</file>
-
-<file path=ppt/slides/slide11.xml><?xml version="1.0" encoding="utf-8"?>
-<p:sld xmlns:a="http://schemas.openxmlformats.org/drawingml/2006/main" xmlns:r="http://schemas.openxmlformats.org/officeDocument/2006/relationships" xmlns:p="http://schemas.openxmlformats.org/presentationml/2006/main">
-  <p:cSld>
-    <p:spTree>
-      <p:nvGrpSpPr>
-        <p:cNvPr id="1" name=""/>
-        <p:cNvGrpSpPr/>
-        <p:nvPr/>
-      </p:nvGrpSpPr>
-      <p:grpSpPr>
-        <a:xfrm>
-          <a:off x="0" y="0"/>
-          <a:ext cx="0" cy="0"/>
-          <a:chOff x="0" y="0"/>
-          <a:chExt cx="0" cy="0"/>
-        </a:xfrm>
-      </p:grpSpPr>
-    </p:spTree>
-    <p:extLst>
-      <p:ext uri="{BB962C8B-B14F-4D97-AF65-F5344CB8AC3E}">
-        <p14:creationId xmlns:p14="http://schemas.microsoft.com/office/powerpoint/2010/main" val="581007076"/>
-      </p:ext>
-    </p:extLst>
-  </p:cSld>
-  <p:clrMapOvr>
-    <a:masterClrMapping/>
-  </p:clrMapOvr>
-  <p:timing>
-    <p:tnLst>
-      <p:par>
-        <p:cTn id="1" dur="indefinite" restart="never" nodeType="tmRoot"/>
-      </p:par>
-    </p:tnLst>
-  </p:timing>
-</p:sld>
-</file>
-
-<file path=ppt/slides/slide12.xml><?xml version="1.0" encoding="utf-8"?>
-<p:sld xmlns:a="http://schemas.openxmlformats.org/drawingml/2006/main" xmlns:r="http://schemas.openxmlformats.org/officeDocument/2006/relationships" xmlns:p="http://schemas.openxmlformats.org/presentationml/2006/main">
-  <p:cSld>
-    <p:spTree>
-      <p:nvGrpSpPr>
-        <p:cNvPr id="1" name=""/>
-        <p:cNvGrpSpPr/>
-        <p:nvPr/>
-      </p:nvGrpSpPr>
-      <p:grpSpPr>
-        <a:xfrm>
-          <a:off x="0" y="0"/>
-          <a:ext cx="0" cy="0"/>
-          <a:chOff x="0" y="0"/>
-          <a:chExt cx="0" cy="0"/>
-        </a:xfrm>
-      </p:grpSpPr>
-      <p:sp>
-        <p:nvSpPr>
-          <p:cNvPr id="2" name="文字方塊 1"/>
-          <p:cNvSpPr txBox="1"/>
-          <p:nvPr/>
-        </p:nvSpPr>
-        <p:spPr>
-          <a:xfrm>
-            <a:off x="6816852" y="44624"/>
-            <a:ext cx="2363660" cy="369332"/>
-          </a:xfrm>
-          <a:prstGeom prst="rect">
-            <a:avLst/>
-          </a:prstGeom>
-          <a:noFill/>
-        </p:spPr>
-        <p:txBody>
-          <a:bodyPr wrap="none" rtlCol="0">
-            <a:spAutoFit/>
-          </a:bodyPr>
-          <a:lstStyle/>
-          <a:p>
-            <a:r>
-              <a:rPr lang="en-US" altLang="zh-TW" b="1" dirty="0" smtClean="0">
-                <a:solidFill>
-                  <a:srgbClr val="FF0000"/>
-                </a:solidFill>
-              </a:rPr>
-              <a:t>VIVADO </a:t>
-            </a:r>
-            <a:r>
-              <a:rPr lang="en-US" altLang="zh-CN" b="1" dirty="0" smtClean="0">
-                <a:solidFill>
-                  <a:srgbClr val="FF0000"/>
-                </a:solidFill>
-              </a:rPr>
-              <a:t>SDK</a:t>
-            </a:r>
-            <a:r>
-              <a:rPr lang="en-US" altLang="zh-TW" b="1" dirty="0" smtClean="0">
-                <a:solidFill>
-                  <a:srgbClr val="FF0000"/>
-                </a:solidFill>
-              </a:rPr>
-              <a:t> </a:t>
-            </a:r>
-            <a:r>
-              <a:rPr lang="zh-CN" altLang="en-US" b="1" dirty="0">
-                <a:solidFill>
-                  <a:srgbClr val="FF0000"/>
-                </a:solidFill>
-              </a:rPr>
-              <a:t>軟體</a:t>
-            </a:r>
-            <a:r>
-              <a:rPr lang="zh-CN" altLang="en-US" b="1" dirty="0" smtClean="0">
-                <a:solidFill>
-                  <a:srgbClr val="FF0000"/>
-                </a:solidFill>
-              </a:rPr>
-              <a:t>設計</a:t>
-            </a:r>
-            <a:endParaRPr lang="zh-TW" altLang="en-US" b="1" dirty="0">
-              <a:solidFill>
-                <a:srgbClr val="FF0000"/>
-              </a:solidFill>
-            </a:endParaRPr>
-          </a:p>
-        </p:txBody>
-      </p:sp>
-    </p:spTree>
-    <p:extLst>
-      <p:ext uri="{BB962C8B-B14F-4D97-AF65-F5344CB8AC3E}">
-        <p14:creationId xmlns:p14="http://schemas.microsoft.com/office/powerpoint/2010/main" val="2481344445"/>
-      </p:ext>
-    </p:extLst>
-  </p:cSld>
-  <p:clrMapOvr>
-    <a:masterClrMapping/>
-  </p:clrMapOvr>
-  <p:timing>
-    <p:tnLst>
-      <p:par>
-        <p:cTn id="1" dur="indefinite" restart="never" nodeType="tmRoot"/>
-      </p:par>
-    </p:tnLst>
-  </p:timing>
-</p:sld>
-</file>
-
-<file path=ppt/slides/slide13.xml><?xml version="1.0" encoding="utf-8"?>
-<p:sld xmlns:a="http://schemas.openxmlformats.org/drawingml/2006/main" xmlns:r="http://schemas.openxmlformats.org/officeDocument/2006/relationships" xmlns:p="http://schemas.openxmlformats.org/presentationml/2006/main">
-  <p:cSld>
-    <p:spTree>
-      <p:nvGrpSpPr>
-        <p:cNvPr id="1" name=""/>
-        <p:cNvGrpSpPr/>
-        <p:nvPr/>
-      </p:nvGrpSpPr>
-      <p:grpSpPr>
-        <a:xfrm>
-          <a:off x="0" y="0"/>
-          <a:ext cx="0" cy="0"/>
-          <a:chOff x="0" y="0"/>
-          <a:chExt cx="0" cy="0"/>
-        </a:xfrm>
-      </p:grpSpPr>
-    </p:spTree>
-    <p:extLst>
-      <p:ext uri="{BB962C8B-B14F-4D97-AF65-F5344CB8AC3E}">
-        <p14:creationId xmlns:p14="http://schemas.microsoft.com/office/powerpoint/2010/main" val="621234864"/>
-      </p:ext>
-    </p:extLst>
-  </p:cSld>
-  <p:clrMapOvr>
-    <a:masterClrMapping/>
-  </p:clrMapOvr>
-  <p:timing>
-    <p:tnLst>
-      <p:par>
-        <p:cTn id="1" dur="indefinite" restart="never" nodeType="tmRoot"/>
-      </p:par>
-    </p:tnLst>
-  </p:timing>
-</p:sld>
-</file>
-
-<file path=ppt/slides/slide14.xml><?xml version="1.0" encoding="utf-8"?>
-<p:sld xmlns:a="http://schemas.openxmlformats.org/drawingml/2006/main" xmlns:r="http://schemas.openxmlformats.org/officeDocument/2006/relationships" xmlns:p="http://schemas.openxmlformats.org/presentationml/2006/main">
-  <p:cSld>
-    <p:spTree>
-      <p:nvGrpSpPr>
-        <p:cNvPr id="1" name=""/>
-        <p:cNvGrpSpPr/>
-        <p:nvPr/>
-      </p:nvGrpSpPr>
-      <p:grpSpPr>
-        <a:xfrm>
-          <a:off x="0" y="0"/>
-          <a:ext cx="0" cy="0"/>
-          <a:chOff x="0" y="0"/>
-          <a:chExt cx="0" cy="0"/>
-        </a:xfrm>
-      </p:grpSpPr>
-    </p:spTree>
-    <p:extLst>
-      <p:ext uri="{BB962C8B-B14F-4D97-AF65-F5344CB8AC3E}">
-        <p14:creationId xmlns:p14="http://schemas.microsoft.com/office/powerpoint/2010/main" val="621234864"/>
-      </p:ext>
-    </p:extLst>
-  </p:cSld>
-  <p:clrMapOvr>
-    <a:masterClrMapping/>
-  </p:clrMapOvr>
-  <p:timing>
-    <p:tnLst>
-      <p:par>
-        <p:cTn id="1" dur="indefinite" restart="never" nodeType="tmRoot"/>
-      </p:par>
-    </p:tnLst>
-  </p:timing>
-</p:sld>
-</file>
-
-<file path=ppt/slides/slide15.xml><?xml version="1.0" encoding="utf-8"?>
-<p:sld xmlns:a="http://schemas.openxmlformats.org/drawingml/2006/main" xmlns:r="http://schemas.openxmlformats.org/officeDocument/2006/relationships" xmlns:p="http://schemas.openxmlformats.org/presentationml/2006/main">
-  <p:cSld>
-    <p:spTree>
-      <p:nvGrpSpPr>
-        <p:cNvPr id="1" name=""/>
-        <p:cNvGrpSpPr/>
-        <p:nvPr/>
-      </p:nvGrpSpPr>
-      <p:grpSpPr>
-        <a:xfrm>
-          <a:off x="0" y="0"/>
-          <a:ext cx="0" cy="0"/>
-          <a:chOff x="0" y="0"/>
-          <a:chExt cx="0" cy="0"/>
-        </a:xfrm>
-      </p:grpSpPr>
-    </p:spTree>
-    <p:extLst>
-      <p:ext uri="{BB962C8B-B14F-4D97-AF65-F5344CB8AC3E}">
-        <p14:creationId xmlns:p14="http://schemas.microsoft.com/office/powerpoint/2010/main" val="621234864"/>
-      </p:ext>
-    </p:extLst>
-  </p:cSld>
-  <p:clrMapOvr>
-    <a:masterClrMapping/>
-  </p:clrMapOvr>
-  <p:timing>
-    <p:tnLst>
-      <p:par>
-        <p:cTn id="1" dur="indefinite" restart="never" nodeType="tmRoot"/>
-      </p:par>
-    </p:tnLst>
-  </p:timing>
-</p:sld>
-</file>
-
-<file path=ppt/slides/slide16.xml><?xml version="1.0" encoding="utf-8"?>
-<p:sld xmlns:a="http://schemas.openxmlformats.org/drawingml/2006/main" xmlns:r="http://schemas.openxmlformats.org/officeDocument/2006/relationships" xmlns:p="http://schemas.openxmlformats.org/presentationml/2006/main">
-  <p:cSld>
-    <p:spTree>
-      <p:nvGrpSpPr>
-        <p:cNvPr id="1" name=""/>
-        <p:cNvGrpSpPr/>
-        <p:nvPr/>
-      </p:nvGrpSpPr>
-      <p:grpSpPr>
-        <a:xfrm>
-          <a:off x="0" y="0"/>
-          <a:ext cx="0" cy="0"/>
-          <a:chOff x="0" y="0"/>
-          <a:chExt cx="0" cy="0"/>
-        </a:xfrm>
-      </p:grpSpPr>
-    </p:spTree>
-    <p:extLst>
-      <p:ext uri="{BB962C8B-B14F-4D97-AF65-F5344CB8AC3E}">
-        <p14:creationId xmlns:p14="http://schemas.microsoft.com/office/powerpoint/2010/main" val="621234864"/>
-      </p:ext>
-    </p:extLst>
-  </p:cSld>
-  <p:clrMapOvr>
-    <a:masterClrMapping/>
-  </p:clrMapOvr>
-  <p:timing>
-    <p:tnLst>
-      <p:par>
-        <p:cTn id="1" dur="indefinite" restart="never" nodeType="tmRoot"/>
-      </p:par>
-    </p:tnLst>
-  </p:timing>
-</p:sld>
-</file>
-
-<file path=ppt/slides/slide17.xml><?xml version="1.0" encoding="utf-8"?>
-<p:sld xmlns:a="http://schemas.openxmlformats.org/drawingml/2006/main" xmlns:r="http://schemas.openxmlformats.org/officeDocument/2006/relationships" xmlns:p="http://schemas.openxmlformats.org/presentationml/2006/main">
-  <p:cSld>
-    <p:spTree>
-      <p:nvGrpSpPr>
-        <p:cNvPr id="1" name=""/>
-        <p:cNvGrpSpPr/>
-        <p:nvPr/>
-      </p:nvGrpSpPr>
-      <p:grpSpPr>
-        <a:xfrm>
-          <a:off x="0" y="0"/>
-          <a:ext cx="0" cy="0"/>
-          <a:chOff x="0" y="0"/>
-          <a:chExt cx="0" cy="0"/>
-        </a:xfrm>
-      </p:grpSpPr>
-    </p:spTree>
-    <p:extLst>
-      <p:ext uri="{BB962C8B-B14F-4D97-AF65-F5344CB8AC3E}">
-        <p14:creationId xmlns:p14="http://schemas.microsoft.com/office/powerpoint/2010/main" val="621234864"/>
-      </p:ext>
-    </p:extLst>
-  </p:cSld>
-  <p:clrMapOvr>
-    <a:masterClrMapping/>
-  </p:clrMapOvr>
-  <p:timing>
-    <p:tnLst>
-      <p:par>
-        <p:cTn id="1" dur="indefinite" restart="never" nodeType="tmRoot"/>
-      </p:par>
-    </p:tnLst>
-  </p:timing>
-</p:sld>
-</file>
-
-<file path=ppt/slides/slide18.xml><?xml version="1.0" encoding="utf-8"?>
-<p:sld xmlns:a="http://schemas.openxmlformats.org/drawingml/2006/main" xmlns:r="http://schemas.openxmlformats.org/officeDocument/2006/relationships" xmlns:p="http://schemas.openxmlformats.org/presentationml/2006/main">
-  <p:cSld>
-    <p:spTree>
-      <p:nvGrpSpPr>
-        <p:cNvPr id="1" name=""/>
-        <p:cNvGrpSpPr/>
-        <p:nvPr/>
-      </p:nvGrpSpPr>
-      <p:grpSpPr>
-        <a:xfrm>
-          <a:off x="0" y="0"/>
-          <a:ext cx="0" cy="0"/>
-          <a:chOff x="0" y="0"/>
-          <a:chExt cx="0" cy="0"/>
-        </a:xfrm>
-      </p:grpSpPr>
-    </p:spTree>
-    <p:extLst>
-      <p:ext uri="{BB962C8B-B14F-4D97-AF65-F5344CB8AC3E}">
-        <p14:creationId xmlns:p14="http://schemas.microsoft.com/office/powerpoint/2010/main" val="621234864"/>
-      </p:ext>
-    </p:extLst>
-  </p:cSld>
-  <p:clrMapOvr>
-    <a:masterClrMapping/>
-  </p:clrMapOvr>
-  <p:timing>
-    <p:tnLst>
-      <p:par>
-        <p:cTn id="1" dur="indefinite" restart="never" nodeType="tmRoot"/>
-      </p:par>
-    </p:tnLst>
-  </p:timing>
-</p:sld>
-</file>
-
-<file path=ppt/slides/slide19.xml><?xml version="1.0" encoding="utf-8"?>
-<p:sld xmlns:a="http://schemas.openxmlformats.org/drawingml/2006/main" xmlns:r="http://schemas.openxmlformats.org/officeDocument/2006/relationships" xmlns:p="http://schemas.openxmlformats.org/presentationml/2006/main">
-  <p:cSld>
-    <p:spTree>
-      <p:nvGrpSpPr>
-        <p:cNvPr id="1" name=""/>
-        <p:cNvGrpSpPr/>
-        <p:nvPr/>
-      </p:nvGrpSpPr>
-      <p:grpSpPr>
-        <a:xfrm>
-          <a:off x="0" y="0"/>
-          <a:ext cx="0" cy="0"/>
-          <a:chOff x="0" y="0"/>
-          <a:chExt cx="0" cy="0"/>
-        </a:xfrm>
-      </p:grpSpPr>
-    </p:spTree>
-    <p:extLst>
-      <p:ext uri="{BB962C8B-B14F-4D97-AF65-F5344CB8AC3E}">
-        <p14:creationId xmlns:p14="http://schemas.microsoft.com/office/powerpoint/2010/main" val="621234864"/>
-      </p:ext>
-    </p:extLst>
-  </p:cSld>
-  <p:clrMapOvr>
-    <a:masterClrMapping/>
-  </p:clrMapOvr>
-  <p:timing>
-    <p:tnLst>
-      <p:par>
-        <p:cTn id="1" dur="indefinite" restart="never" nodeType="tmRoot"/>
-      </p:par>
-    </p:tnLst>
-  </p:timing>
-</p:sld>
-</file>
-
 <file path=ppt/slides/slide2.xml><?xml version="1.0" encoding="utf-8"?>
 <p:sld xmlns:a="http://schemas.openxmlformats.org/drawingml/2006/main" xmlns:r="http://schemas.openxmlformats.org/officeDocument/2006/relationships" xmlns:p="http://schemas.openxmlformats.org/presentationml/2006/main">
   <p:cSld>
@@ -3794,1338 +3278,6 @@
     <p:extLst>
       <p:ext uri="{BB962C8B-B14F-4D97-AF65-F5344CB8AC3E}">
         <p14:creationId xmlns:p14="http://schemas.microsoft.com/office/powerpoint/2010/main" val="1054442788"/>
-      </p:ext>
-    </p:extLst>
-  </p:cSld>
-  <p:clrMapOvr>
-    <a:masterClrMapping/>
-  </p:clrMapOvr>
-  <p:timing>
-    <p:tnLst>
-      <p:par>
-        <p:cTn id="1" dur="indefinite" restart="never" nodeType="tmRoot"/>
-      </p:par>
-    </p:tnLst>
-  </p:timing>
-</p:sld>
-</file>
-
-<file path=ppt/slides/slide20.xml><?xml version="1.0" encoding="utf-8"?>
-<p:sld xmlns:a="http://schemas.openxmlformats.org/drawingml/2006/main" xmlns:r="http://schemas.openxmlformats.org/officeDocument/2006/relationships" xmlns:p="http://schemas.openxmlformats.org/presentationml/2006/main">
-  <p:cSld>
-    <p:spTree>
-      <p:nvGrpSpPr>
-        <p:cNvPr id="1" name=""/>
-        <p:cNvGrpSpPr/>
-        <p:nvPr/>
-      </p:nvGrpSpPr>
-      <p:grpSpPr>
-        <a:xfrm>
-          <a:off x="0" y="0"/>
-          <a:ext cx="0" cy="0"/>
-          <a:chOff x="0" y="0"/>
-          <a:chExt cx="0" cy="0"/>
-        </a:xfrm>
-      </p:grpSpPr>
-    </p:spTree>
-    <p:extLst>
-      <p:ext uri="{BB962C8B-B14F-4D97-AF65-F5344CB8AC3E}">
-        <p14:creationId xmlns:p14="http://schemas.microsoft.com/office/powerpoint/2010/main" val="621234864"/>
-      </p:ext>
-    </p:extLst>
-  </p:cSld>
-  <p:clrMapOvr>
-    <a:masterClrMapping/>
-  </p:clrMapOvr>
-  <p:timing>
-    <p:tnLst>
-      <p:par>
-        <p:cTn id="1" dur="indefinite" restart="never" nodeType="tmRoot"/>
-      </p:par>
-    </p:tnLst>
-  </p:timing>
-</p:sld>
-</file>
-
-<file path=ppt/slides/slide21.xml><?xml version="1.0" encoding="utf-8"?>
-<p:sld xmlns:a="http://schemas.openxmlformats.org/drawingml/2006/main" xmlns:r="http://schemas.openxmlformats.org/officeDocument/2006/relationships" xmlns:p="http://schemas.openxmlformats.org/presentationml/2006/main">
-  <p:cSld>
-    <p:spTree>
-      <p:nvGrpSpPr>
-        <p:cNvPr id="1" name=""/>
-        <p:cNvGrpSpPr/>
-        <p:nvPr/>
-      </p:nvGrpSpPr>
-      <p:grpSpPr>
-        <a:xfrm>
-          <a:off x="0" y="0"/>
-          <a:ext cx="0" cy="0"/>
-          <a:chOff x="0" y="0"/>
-          <a:chExt cx="0" cy="0"/>
-        </a:xfrm>
-      </p:grpSpPr>
-    </p:spTree>
-    <p:extLst>
-      <p:ext uri="{BB962C8B-B14F-4D97-AF65-F5344CB8AC3E}">
-        <p14:creationId xmlns:p14="http://schemas.microsoft.com/office/powerpoint/2010/main" val="621234864"/>
-      </p:ext>
-    </p:extLst>
-  </p:cSld>
-  <p:clrMapOvr>
-    <a:masterClrMapping/>
-  </p:clrMapOvr>
-  <p:timing>
-    <p:tnLst>
-      <p:par>
-        <p:cTn id="1" dur="indefinite" restart="never" nodeType="tmRoot"/>
-      </p:par>
-    </p:tnLst>
-  </p:timing>
-</p:sld>
-</file>
-
-<file path=ppt/slides/slide22.xml><?xml version="1.0" encoding="utf-8"?>
-<p:sld xmlns:a="http://schemas.openxmlformats.org/drawingml/2006/main" xmlns:r="http://schemas.openxmlformats.org/officeDocument/2006/relationships" xmlns:p="http://schemas.openxmlformats.org/presentationml/2006/main">
-  <p:cSld>
-    <p:spTree>
-      <p:nvGrpSpPr>
-        <p:cNvPr id="1" name=""/>
-        <p:cNvGrpSpPr/>
-        <p:nvPr/>
-      </p:nvGrpSpPr>
-      <p:grpSpPr>
-        <a:xfrm>
-          <a:off x="0" y="0"/>
-          <a:ext cx="0" cy="0"/>
-          <a:chOff x="0" y="0"/>
-          <a:chExt cx="0" cy="0"/>
-        </a:xfrm>
-      </p:grpSpPr>
-    </p:spTree>
-    <p:extLst>
-      <p:ext uri="{BB962C8B-B14F-4D97-AF65-F5344CB8AC3E}">
-        <p14:creationId xmlns:p14="http://schemas.microsoft.com/office/powerpoint/2010/main" val="621234864"/>
-      </p:ext>
-    </p:extLst>
-  </p:cSld>
-  <p:clrMapOvr>
-    <a:masterClrMapping/>
-  </p:clrMapOvr>
-  <p:timing>
-    <p:tnLst>
-      <p:par>
-        <p:cTn id="1" dur="indefinite" restart="never" nodeType="tmRoot"/>
-      </p:par>
-    </p:tnLst>
-  </p:timing>
-</p:sld>
-</file>
-
-<file path=ppt/slides/slide23.xml><?xml version="1.0" encoding="utf-8"?>
-<p:sld xmlns:a="http://schemas.openxmlformats.org/drawingml/2006/main" xmlns:r="http://schemas.openxmlformats.org/officeDocument/2006/relationships" xmlns:p="http://schemas.openxmlformats.org/presentationml/2006/main">
-  <p:cSld>
-    <p:spTree>
-      <p:nvGrpSpPr>
-        <p:cNvPr id="1" name=""/>
-        <p:cNvGrpSpPr/>
-        <p:nvPr/>
-      </p:nvGrpSpPr>
-      <p:grpSpPr>
-        <a:xfrm>
-          <a:off x="0" y="0"/>
-          <a:ext cx="0" cy="0"/>
-          <a:chOff x="0" y="0"/>
-          <a:chExt cx="0" cy="0"/>
-        </a:xfrm>
-      </p:grpSpPr>
-    </p:spTree>
-    <p:extLst>
-      <p:ext uri="{BB962C8B-B14F-4D97-AF65-F5344CB8AC3E}">
-        <p14:creationId xmlns:p14="http://schemas.microsoft.com/office/powerpoint/2010/main" val="621234864"/>
-      </p:ext>
-    </p:extLst>
-  </p:cSld>
-  <p:clrMapOvr>
-    <a:masterClrMapping/>
-  </p:clrMapOvr>
-  <p:timing>
-    <p:tnLst>
-      <p:par>
-        <p:cTn id="1" dur="indefinite" restart="never" nodeType="tmRoot"/>
-      </p:par>
-    </p:tnLst>
-  </p:timing>
-</p:sld>
-</file>
-
-<file path=ppt/slides/slide24.xml><?xml version="1.0" encoding="utf-8"?>
-<p:sld xmlns:a="http://schemas.openxmlformats.org/drawingml/2006/main" xmlns:r="http://schemas.openxmlformats.org/officeDocument/2006/relationships" xmlns:p="http://schemas.openxmlformats.org/presentationml/2006/main">
-  <p:cSld>
-    <p:spTree>
-      <p:nvGrpSpPr>
-        <p:cNvPr id="1" name=""/>
-        <p:cNvGrpSpPr/>
-        <p:nvPr/>
-      </p:nvGrpSpPr>
-      <p:grpSpPr>
-        <a:xfrm>
-          <a:off x="0" y="0"/>
-          <a:ext cx="0" cy="0"/>
-          <a:chOff x="0" y="0"/>
-          <a:chExt cx="0" cy="0"/>
-        </a:xfrm>
-      </p:grpSpPr>
-      <p:sp>
-        <p:nvSpPr>
-          <p:cNvPr id="4" name="矩形 3"/>
-          <p:cNvSpPr/>
-          <p:nvPr/>
-        </p:nvSpPr>
-        <p:spPr>
-          <a:xfrm>
-            <a:off x="573485" y="2024005"/>
-            <a:ext cx="2448272" cy="1368152"/>
-          </a:xfrm>
-          <a:prstGeom prst="rect">
-            <a:avLst/>
-          </a:prstGeom>
-          <a:solidFill>
-            <a:schemeClr val="accent6">
-              <a:lumMod val="75000"/>
-            </a:schemeClr>
-          </a:solidFill>
-        </p:spPr>
-        <p:style>
-          <a:lnRef idx="2">
-            <a:schemeClr val="accent1">
-              <a:shade val="50000"/>
-            </a:schemeClr>
-          </a:lnRef>
-          <a:fillRef idx="1">
-            <a:schemeClr val="accent1"/>
-          </a:fillRef>
-          <a:effectRef idx="0">
-            <a:schemeClr val="accent1"/>
-          </a:effectRef>
-          <a:fontRef idx="minor">
-            <a:schemeClr val="lt1"/>
-          </a:fontRef>
-        </p:style>
-        <p:txBody>
-          <a:bodyPr rtlCol="0" anchor="ctr"/>
-          <a:lstStyle/>
-          <a:p>
-            <a:pPr algn="ctr"/>
-            <a:r>
-              <a:rPr lang="en-US" altLang="zh-CN" dirty="0" smtClean="0"/>
-              <a:t>ZYNQ Processing </a:t>
-            </a:r>
-            <a:endParaRPr lang="zh-TW" altLang="en-US" dirty="0"/>
-          </a:p>
-        </p:txBody>
-      </p:sp>
-      <p:sp>
-        <p:nvSpPr>
-          <p:cNvPr id="5" name="圓角矩形 4"/>
-          <p:cNvSpPr/>
-          <p:nvPr/>
-        </p:nvSpPr>
-        <p:spPr>
-          <a:xfrm>
-            <a:off x="899592" y="4024809"/>
-            <a:ext cx="1656184" cy="864096"/>
-          </a:xfrm>
-          <a:prstGeom prst="roundRect">
-            <a:avLst/>
-          </a:prstGeom>
-        </p:spPr>
-        <p:style>
-          <a:lnRef idx="2">
-            <a:schemeClr val="accent1">
-              <a:shade val="50000"/>
-            </a:schemeClr>
-          </a:lnRef>
-          <a:fillRef idx="1">
-            <a:schemeClr val="accent1"/>
-          </a:fillRef>
-          <a:effectRef idx="0">
-            <a:schemeClr val="accent1"/>
-          </a:effectRef>
-          <a:fontRef idx="minor">
-            <a:schemeClr val="lt1"/>
-          </a:fontRef>
-        </p:style>
-        <p:txBody>
-          <a:bodyPr rtlCol="0" anchor="ctr"/>
-          <a:lstStyle/>
-          <a:p>
-            <a:pPr algn="ctr"/>
-            <a:r>
-              <a:rPr lang="en-US" altLang="zh-TW" sz="2000" b="1" dirty="0" err="1" smtClean="0"/>
-              <a:t>InterConnect</a:t>
-            </a:r>
-            <a:endParaRPr lang="zh-TW" altLang="en-US" sz="2000" b="1" dirty="0"/>
-          </a:p>
-        </p:txBody>
-      </p:sp>
-      <p:sp>
-        <p:nvSpPr>
-          <p:cNvPr id="6" name="圓角矩形 5"/>
-          <p:cNvSpPr/>
-          <p:nvPr/>
-        </p:nvSpPr>
-        <p:spPr>
-          <a:xfrm>
-            <a:off x="4790492" y="620689"/>
-            <a:ext cx="2448272" cy="1330920"/>
-          </a:xfrm>
-          <a:prstGeom prst="roundRect">
-            <a:avLst/>
-          </a:prstGeom>
-        </p:spPr>
-        <p:style>
-          <a:lnRef idx="2">
-            <a:schemeClr val="accent1">
-              <a:shade val="50000"/>
-            </a:schemeClr>
-          </a:lnRef>
-          <a:fillRef idx="1">
-            <a:schemeClr val="accent1"/>
-          </a:fillRef>
-          <a:effectRef idx="0">
-            <a:schemeClr val="accent1"/>
-          </a:effectRef>
-          <a:fontRef idx="minor">
-            <a:schemeClr val="lt1"/>
-          </a:fontRef>
-        </p:style>
-        <p:txBody>
-          <a:bodyPr rtlCol="0" anchor="ctr"/>
-          <a:lstStyle/>
-          <a:p>
-            <a:pPr algn="ctr"/>
-            <a:r>
-              <a:rPr lang="en-US" altLang="zh-TW" b="1" dirty="0" smtClean="0"/>
-              <a:t>IP_CORE</a:t>
-            </a:r>
-          </a:p>
-          <a:p>
-            <a:pPr algn="ctr"/>
-            <a:endParaRPr lang="en-US" altLang="zh-TW" b="1" dirty="0"/>
-          </a:p>
-          <a:p>
-            <a:pPr algn="ctr"/>
-            <a:endParaRPr lang="en-US" altLang="zh-TW" b="1" dirty="0" smtClean="0"/>
-          </a:p>
-          <a:p>
-            <a:pPr algn="ctr"/>
-            <a:endParaRPr lang="en-US" altLang="zh-TW" b="1" dirty="0"/>
-          </a:p>
-          <a:p>
-            <a:pPr algn="ctr"/>
-            <a:endParaRPr lang="zh-TW" altLang="en-US" b="1" dirty="0"/>
-          </a:p>
-        </p:txBody>
-      </p:sp>
-      <p:sp>
-        <p:nvSpPr>
-          <p:cNvPr id="8" name="圓角矩形 7"/>
-          <p:cNvSpPr/>
-          <p:nvPr/>
-        </p:nvSpPr>
-        <p:spPr>
-          <a:xfrm>
-            <a:off x="902100" y="5498068"/>
-            <a:ext cx="1656184" cy="864096"/>
-          </a:xfrm>
-          <a:prstGeom prst="roundRect">
-            <a:avLst/>
-          </a:prstGeom>
-        </p:spPr>
-        <p:style>
-          <a:lnRef idx="2">
-            <a:schemeClr val="accent1">
-              <a:shade val="50000"/>
-            </a:schemeClr>
-          </a:lnRef>
-          <a:fillRef idx="1">
-            <a:schemeClr val="accent1"/>
-          </a:fillRef>
-          <a:effectRef idx="0">
-            <a:schemeClr val="accent1"/>
-          </a:effectRef>
-          <a:fontRef idx="minor">
-            <a:schemeClr val="lt1"/>
-          </a:fontRef>
-        </p:style>
-        <p:txBody>
-          <a:bodyPr rtlCol="0" anchor="ctr"/>
-          <a:lstStyle/>
-          <a:p>
-            <a:pPr algn="ctr"/>
-            <a:r>
-              <a:rPr lang="en-US" altLang="zh-TW" b="1" dirty="0" smtClean="0"/>
-              <a:t>DMA</a:t>
-            </a:r>
-            <a:endParaRPr lang="zh-TW" altLang="en-US" b="1" dirty="0"/>
-          </a:p>
-        </p:txBody>
-      </p:sp>
-      <p:sp>
-        <p:nvSpPr>
-          <p:cNvPr id="10" name="文字方塊 9"/>
-          <p:cNvSpPr txBox="1"/>
-          <p:nvPr/>
-        </p:nvSpPr>
-        <p:spPr>
-          <a:xfrm>
-            <a:off x="573485" y="3032117"/>
-            <a:ext cx="576064" cy="307777"/>
-          </a:xfrm>
-          <a:prstGeom prst="rect">
-            <a:avLst/>
-          </a:prstGeom>
-          <a:noFill/>
-          <a:ln>
-            <a:solidFill>
-              <a:srgbClr val="FFFF00"/>
-            </a:solidFill>
-          </a:ln>
-        </p:spPr>
-        <p:txBody>
-          <a:bodyPr wrap="square" rtlCol="0">
-            <a:spAutoFit/>
-          </a:bodyPr>
-          <a:lstStyle/>
-          <a:p>
-            <a:r>
-              <a:rPr lang="en-US" altLang="zh-TW" sz="1400" b="1" dirty="0" smtClean="0">
-                <a:solidFill>
-                  <a:schemeClr val="bg1"/>
-                </a:solidFill>
-              </a:rPr>
-              <a:t>HP_S</a:t>
-            </a:r>
-            <a:endParaRPr lang="zh-TW" altLang="en-US" sz="1400" b="1" dirty="0">
-              <a:solidFill>
-                <a:schemeClr val="bg1"/>
-              </a:solidFill>
-            </a:endParaRPr>
-          </a:p>
-        </p:txBody>
-      </p:sp>
-      <p:sp>
-        <p:nvSpPr>
-          <p:cNvPr id="11" name="文字方塊 10"/>
-          <p:cNvSpPr txBox="1"/>
-          <p:nvPr/>
-        </p:nvSpPr>
-        <p:spPr>
-          <a:xfrm>
-            <a:off x="2373685" y="3049215"/>
-            <a:ext cx="648072" cy="307777"/>
-          </a:xfrm>
-          <a:prstGeom prst="rect">
-            <a:avLst/>
-          </a:prstGeom>
-          <a:noFill/>
-          <a:ln>
-            <a:solidFill>
-              <a:srgbClr val="FFFF00"/>
-            </a:solidFill>
-          </a:ln>
-        </p:spPr>
-        <p:txBody>
-          <a:bodyPr wrap="square" rtlCol="0">
-            <a:spAutoFit/>
-          </a:bodyPr>
-          <a:lstStyle/>
-          <a:p>
-            <a:r>
-              <a:rPr lang="en-US" altLang="zh-TW" sz="1400" b="1" dirty="0" smtClean="0">
-                <a:solidFill>
-                  <a:schemeClr val="bg1"/>
-                </a:solidFill>
-              </a:rPr>
-              <a:t>GP_M</a:t>
-            </a:r>
-            <a:endParaRPr lang="zh-TW" altLang="en-US" sz="1400" b="1" dirty="0">
-              <a:solidFill>
-                <a:schemeClr val="bg1"/>
-              </a:solidFill>
-            </a:endParaRPr>
-          </a:p>
-        </p:txBody>
-      </p:sp>
-      <p:sp>
-        <p:nvSpPr>
-          <p:cNvPr id="12" name="矩形 11"/>
-          <p:cNvSpPr/>
-          <p:nvPr/>
-        </p:nvSpPr>
-        <p:spPr>
-          <a:xfrm>
-            <a:off x="4502460" y="4005064"/>
-            <a:ext cx="3456384" cy="2016224"/>
-          </a:xfrm>
-          <a:prstGeom prst="rect">
-            <a:avLst/>
-          </a:prstGeom>
-          <a:solidFill>
-            <a:srgbClr val="00B050"/>
-          </a:solidFill>
-        </p:spPr>
-        <p:style>
-          <a:lnRef idx="2">
-            <a:schemeClr val="accent1">
-              <a:shade val="50000"/>
-            </a:schemeClr>
-          </a:lnRef>
-          <a:fillRef idx="1">
-            <a:schemeClr val="accent1"/>
-          </a:fillRef>
-          <a:effectRef idx="0">
-            <a:schemeClr val="accent1"/>
-          </a:effectRef>
-          <a:fontRef idx="minor">
-            <a:schemeClr val="lt1"/>
-          </a:fontRef>
-        </p:style>
-        <p:txBody>
-          <a:bodyPr rtlCol="0" anchor="ctr"/>
-          <a:lstStyle/>
-          <a:p>
-            <a:pPr algn="ctr"/>
-            <a:r>
-              <a:rPr lang="en-US" altLang="zh-TW" b="1" dirty="0" smtClean="0"/>
-              <a:t>Custom IP_CORE</a:t>
-            </a:r>
-            <a:endParaRPr lang="zh-TW" altLang="en-US" b="1" dirty="0"/>
-          </a:p>
-        </p:txBody>
-      </p:sp>
-      <p:sp>
-        <p:nvSpPr>
-          <p:cNvPr id="13" name="文字方塊 12"/>
-          <p:cNvSpPr txBox="1"/>
-          <p:nvPr/>
-        </p:nvSpPr>
-        <p:spPr>
-          <a:xfrm>
-            <a:off x="4502460" y="5426060"/>
-            <a:ext cx="1296144" cy="523220"/>
-          </a:xfrm>
-          <a:prstGeom prst="rect">
-            <a:avLst/>
-          </a:prstGeom>
-          <a:noFill/>
-          <a:ln>
-            <a:solidFill>
-              <a:srgbClr val="FFFF00"/>
-            </a:solidFill>
-          </a:ln>
-        </p:spPr>
-        <p:txBody>
-          <a:bodyPr wrap="square" rtlCol="0">
-            <a:spAutoFit/>
-          </a:bodyPr>
-          <a:lstStyle/>
-          <a:p>
-            <a:pPr algn="ctr"/>
-            <a:r>
-              <a:rPr lang="en-US" altLang="zh-TW" sz="1400" b="1" dirty="0" smtClean="0">
-                <a:solidFill>
-                  <a:schemeClr val="bg1"/>
-                </a:solidFill>
-              </a:rPr>
-              <a:t>AXI4_STREAM</a:t>
-            </a:r>
-          </a:p>
-          <a:p>
-            <a:pPr algn="ctr"/>
-            <a:r>
-              <a:rPr lang="en-US" altLang="zh-TW" sz="1400" b="1" dirty="0" smtClean="0">
-                <a:solidFill>
-                  <a:schemeClr val="bg1"/>
-                </a:solidFill>
-              </a:rPr>
-              <a:t>SLAVE</a:t>
-            </a:r>
-            <a:endParaRPr lang="zh-TW" altLang="en-US" sz="1400" b="1" dirty="0">
-              <a:solidFill>
-                <a:schemeClr val="bg1"/>
-              </a:solidFill>
-            </a:endParaRPr>
-          </a:p>
-        </p:txBody>
-      </p:sp>
-      <p:sp>
-        <p:nvSpPr>
-          <p:cNvPr id="14" name="文字方塊 13"/>
-          <p:cNvSpPr txBox="1"/>
-          <p:nvPr/>
-        </p:nvSpPr>
-        <p:spPr>
-          <a:xfrm>
-            <a:off x="6662700" y="5426060"/>
-            <a:ext cx="1296144" cy="523220"/>
-          </a:xfrm>
-          <a:prstGeom prst="rect">
-            <a:avLst/>
-          </a:prstGeom>
-          <a:noFill/>
-          <a:ln>
-            <a:solidFill>
-              <a:srgbClr val="FFFF00"/>
-            </a:solidFill>
-          </a:ln>
-        </p:spPr>
-        <p:txBody>
-          <a:bodyPr wrap="square" rtlCol="0">
-            <a:spAutoFit/>
-          </a:bodyPr>
-          <a:lstStyle/>
-          <a:p>
-            <a:pPr algn="ctr"/>
-            <a:r>
-              <a:rPr lang="en-US" altLang="zh-TW" sz="1400" b="1" dirty="0" smtClean="0">
-                <a:solidFill>
-                  <a:schemeClr val="bg1"/>
-                </a:solidFill>
-              </a:rPr>
-              <a:t>AXI4_STREAM</a:t>
-            </a:r>
-          </a:p>
-          <a:p>
-            <a:pPr algn="ctr"/>
-            <a:r>
-              <a:rPr lang="en-US" altLang="zh-TW" sz="1400" b="1" dirty="0" smtClean="0">
-                <a:solidFill>
-                  <a:schemeClr val="bg1"/>
-                </a:solidFill>
-              </a:rPr>
-              <a:t>MASTER</a:t>
-            </a:r>
-            <a:endParaRPr lang="zh-TW" altLang="en-US" sz="1400" b="1" dirty="0">
-              <a:solidFill>
-                <a:schemeClr val="bg1"/>
-              </a:solidFill>
-            </a:endParaRPr>
-          </a:p>
-        </p:txBody>
-      </p:sp>
-      <p:sp>
-        <p:nvSpPr>
-          <p:cNvPr id="15" name="文字方塊 14"/>
-          <p:cNvSpPr txBox="1"/>
-          <p:nvPr/>
-        </p:nvSpPr>
-        <p:spPr>
-          <a:xfrm>
-            <a:off x="6014628" y="4077072"/>
-            <a:ext cx="1944216" cy="307777"/>
-          </a:xfrm>
-          <a:prstGeom prst="rect">
-            <a:avLst/>
-          </a:prstGeom>
-          <a:noFill/>
-          <a:ln>
-            <a:solidFill>
-              <a:srgbClr val="FFFF00"/>
-            </a:solidFill>
-          </a:ln>
-        </p:spPr>
-        <p:txBody>
-          <a:bodyPr wrap="square" rtlCol="0">
-            <a:spAutoFit/>
-          </a:bodyPr>
-          <a:lstStyle/>
-          <a:p>
-            <a:pPr algn="ctr"/>
-            <a:r>
-              <a:rPr lang="en-US" altLang="zh-TW" sz="1400" b="1" dirty="0" smtClean="0">
-                <a:solidFill>
-                  <a:schemeClr val="bg1"/>
-                </a:solidFill>
-              </a:rPr>
-              <a:t>PAR(AXI4_LITE SLAVE)</a:t>
-            </a:r>
-          </a:p>
-        </p:txBody>
-      </p:sp>
-      <p:sp>
-        <p:nvSpPr>
-          <p:cNvPr id="17" name="文字方塊 16"/>
-          <p:cNvSpPr txBox="1"/>
-          <p:nvPr/>
-        </p:nvSpPr>
-        <p:spPr>
-          <a:xfrm>
-            <a:off x="6302660" y="1303537"/>
-            <a:ext cx="936104" cy="523220"/>
-          </a:xfrm>
-          <a:prstGeom prst="rect">
-            <a:avLst/>
-          </a:prstGeom>
-          <a:noFill/>
-          <a:ln>
-            <a:solidFill>
-              <a:srgbClr val="FFFF00"/>
-            </a:solidFill>
-          </a:ln>
-        </p:spPr>
-        <p:txBody>
-          <a:bodyPr wrap="square" rtlCol="0">
-            <a:spAutoFit/>
-          </a:bodyPr>
-          <a:lstStyle/>
-          <a:p>
-            <a:pPr algn="ctr"/>
-            <a:r>
-              <a:rPr lang="en-US" altLang="zh-TW" sz="1400" b="1" dirty="0" smtClean="0">
-                <a:solidFill>
-                  <a:schemeClr val="bg1"/>
-                </a:solidFill>
-              </a:rPr>
-              <a:t>AXI4_LITE</a:t>
-            </a:r>
-          </a:p>
-          <a:p>
-            <a:pPr algn="ctr"/>
-            <a:r>
-              <a:rPr lang="en-US" altLang="zh-TW" sz="1400" b="1" dirty="0" smtClean="0">
-                <a:solidFill>
-                  <a:schemeClr val="bg1"/>
-                </a:solidFill>
-              </a:rPr>
-              <a:t>SLAVE</a:t>
-            </a:r>
-            <a:endParaRPr lang="zh-TW" altLang="en-US" sz="1400" b="1" dirty="0">
-              <a:solidFill>
-                <a:schemeClr val="bg1"/>
-              </a:solidFill>
-            </a:endParaRPr>
-          </a:p>
-        </p:txBody>
-      </p:sp>
-      <p:sp>
-        <p:nvSpPr>
-          <p:cNvPr id="18" name="圓角矩形 17"/>
-          <p:cNvSpPr/>
-          <p:nvPr/>
-        </p:nvSpPr>
-        <p:spPr>
-          <a:xfrm>
-            <a:off x="5220072" y="2780928"/>
-            <a:ext cx="1656184" cy="864096"/>
-          </a:xfrm>
-          <a:prstGeom prst="roundRect">
-            <a:avLst/>
-          </a:prstGeom>
-        </p:spPr>
-        <p:style>
-          <a:lnRef idx="2">
-            <a:schemeClr val="accent1">
-              <a:shade val="50000"/>
-            </a:schemeClr>
-          </a:lnRef>
-          <a:fillRef idx="1">
-            <a:schemeClr val="accent1"/>
-          </a:fillRef>
-          <a:effectRef idx="0">
-            <a:schemeClr val="accent1"/>
-          </a:effectRef>
-          <a:fontRef idx="minor">
-            <a:schemeClr val="lt1"/>
-          </a:fontRef>
-        </p:style>
-        <p:txBody>
-          <a:bodyPr rtlCol="0" anchor="ctr"/>
-          <a:lstStyle/>
-          <a:p>
-            <a:pPr algn="ctr"/>
-            <a:r>
-              <a:rPr lang="en-US" altLang="zh-TW" sz="2000" b="1" dirty="0" err="1" smtClean="0"/>
-              <a:t>InterConnect</a:t>
-            </a:r>
-            <a:endParaRPr lang="zh-TW" altLang="en-US" sz="2000" b="1" dirty="0"/>
-          </a:p>
-        </p:txBody>
-      </p:sp>
-      <p:cxnSp>
-        <p:nvCxnSpPr>
-          <p:cNvPr id="20" name="直線單箭頭接點 19"/>
-          <p:cNvCxnSpPr/>
-          <p:nvPr/>
-        </p:nvCxnSpPr>
-        <p:spPr>
-          <a:xfrm>
-            <a:off x="3021757" y="3214638"/>
-            <a:ext cx="2198315" cy="0"/>
-          </a:xfrm>
-          <a:prstGeom prst="straightConnector1">
-            <a:avLst/>
-          </a:prstGeom>
-          <a:ln w="25400">
-            <a:tailEnd type="arrow"/>
-          </a:ln>
-        </p:spPr>
-        <p:style>
-          <a:lnRef idx="1">
-            <a:schemeClr val="accent1"/>
-          </a:lnRef>
-          <a:fillRef idx="0">
-            <a:schemeClr val="accent1"/>
-          </a:fillRef>
-          <a:effectRef idx="0">
-            <a:schemeClr val="accent1"/>
-          </a:effectRef>
-          <a:fontRef idx="minor">
-            <a:schemeClr val="tx1"/>
-          </a:fontRef>
-        </p:style>
-      </p:cxnSp>
-      <p:cxnSp>
-        <p:nvCxnSpPr>
-          <p:cNvPr id="22" name="直線接點 21"/>
-          <p:cNvCxnSpPr/>
-          <p:nvPr/>
-        </p:nvCxnSpPr>
-        <p:spPr>
-          <a:xfrm>
-            <a:off x="7958844" y="5688915"/>
-            <a:ext cx="495473" cy="0"/>
-          </a:xfrm>
-          <a:prstGeom prst="line">
-            <a:avLst/>
-          </a:prstGeom>
-          <a:ln w="25400"/>
-        </p:spPr>
-        <p:style>
-          <a:lnRef idx="1">
-            <a:schemeClr val="accent1"/>
-          </a:lnRef>
-          <a:fillRef idx="0">
-            <a:schemeClr val="accent1"/>
-          </a:fillRef>
-          <a:effectRef idx="0">
-            <a:schemeClr val="accent1"/>
-          </a:effectRef>
-          <a:fontRef idx="minor">
-            <a:schemeClr val="tx1"/>
-          </a:fontRef>
-        </p:style>
-      </p:cxnSp>
-      <p:cxnSp>
-        <p:nvCxnSpPr>
-          <p:cNvPr id="23" name="直線接點 22"/>
-          <p:cNvCxnSpPr/>
-          <p:nvPr/>
-        </p:nvCxnSpPr>
-        <p:spPr>
-          <a:xfrm>
-            <a:off x="467544" y="6597352"/>
-            <a:ext cx="7986773" cy="0"/>
-          </a:xfrm>
-          <a:prstGeom prst="line">
-            <a:avLst/>
-          </a:prstGeom>
-          <a:ln w="25400"/>
-        </p:spPr>
-        <p:style>
-          <a:lnRef idx="1">
-            <a:schemeClr val="accent1"/>
-          </a:lnRef>
-          <a:fillRef idx="0">
-            <a:schemeClr val="accent1"/>
-          </a:fillRef>
-          <a:effectRef idx="0">
-            <a:schemeClr val="accent1"/>
-          </a:effectRef>
-          <a:fontRef idx="minor">
-            <a:schemeClr val="tx1"/>
-          </a:fontRef>
-        </p:style>
-      </p:cxnSp>
-      <p:cxnSp>
-        <p:nvCxnSpPr>
-          <p:cNvPr id="27" name="直線接點 26"/>
-          <p:cNvCxnSpPr/>
-          <p:nvPr/>
-        </p:nvCxnSpPr>
-        <p:spPr>
-          <a:xfrm>
-            <a:off x="8454317" y="5688915"/>
-            <a:ext cx="0" cy="908437"/>
-          </a:xfrm>
-          <a:prstGeom prst="line">
-            <a:avLst/>
-          </a:prstGeom>
-          <a:ln w="25400"/>
-        </p:spPr>
-        <p:style>
-          <a:lnRef idx="1">
-            <a:schemeClr val="accent1"/>
-          </a:lnRef>
-          <a:fillRef idx="0">
-            <a:schemeClr val="accent1"/>
-          </a:fillRef>
-          <a:effectRef idx="0">
-            <a:schemeClr val="accent1"/>
-          </a:effectRef>
-          <a:fontRef idx="minor">
-            <a:schemeClr val="tx1"/>
-          </a:fontRef>
-        </p:style>
-      </p:cxnSp>
-      <p:cxnSp>
-        <p:nvCxnSpPr>
-          <p:cNvPr id="30" name="直線接點 29"/>
-          <p:cNvCxnSpPr/>
-          <p:nvPr/>
-        </p:nvCxnSpPr>
-        <p:spPr>
-          <a:xfrm>
-            <a:off x="302928" y="3645024"/>
-            <a:ext cx="1410371" cy="0"/>
-          </a:xfrm>
-          <a:prstGeom prst="line">
-            <a:avLst/>
-          </a:prstGeom>
-          <a:ln w="25400"/>
-        </p:spPr>
-        <p:style>
-          <a:lnRef idx="1">
-            <a:schemeClr val="accent1"/>
-          </a:lnRef>
-          <a:fillRef idx="0">
-            <a:schemeClr val="accent1"/>
-          </a:fillRef>
-          <a:effectRef idx="0">
-            <a:schemeClr val="accent1"/>
-          </a:effectRef>
-          <a:fontRef idx="minor">
-            <a:schemeClr val="tx1"/>
-          </a:fontRef>
-        </p:style>
-      </p:cxnSp>
-      <p:cxnSp>
-        <p:nvCxnSpPr>
-          <p:cNvPr id="31" name="直線接點 30"/>
-          <p:cNvCxnSpPr/>
-          <p:nvPr/>
-        </p:nvCxnSpPr>
-        <p:spPr>
-          <a:xfrm>
-            <a:off x="467544" y="6002124"/>
-            <a:ext cx="0" cy="595228"/>
-          </a:xfrm>
-          <a:prstGeom prst="line">
-            <a:avLst/>
-          </a:prstGeom>
-          <a:ln w="25400"/>
-        </p:spPr>
-        <p:style>
-          <a:lnRef idx="1">
-            <a:schemeClr val="accent1"/>
-          </a:lnRef>
-          <a:fillRef idx="0">
-            <a:schemeClr val="accent1"/>
-          </a:fillRef>
-          <a:effectRef idx="0">
-            <a:schemeClr val="accent1"/>
-          </a:effectRef>
-          <a:fontRef idx="minor">
-            <a:schemeClr val="tx1"/>
-          </a:fontRef>
-        </p:style>
-      </p:cxnSp>
-      <p:cxnSp>
-        <p:nvCxnSpPr>
-          <p:cNvPr id="33" name="直線單箭頭接點 32"/>
-          <p:cNvCxnSpPr/>
-          <p:nvPr/>
-        </p:nvCxnSpPr>
-        <p:spPr>
-          <a:xfrm>
-            <a:off x="467544" y="6002124"/>
-            <a:ext cx="393973" cy="0"/>
-          </a:xfrm>
-          <a:prstGeom prst="straightConnector1">
-            <a:avLst/>
-          </a:prstGeom>
-          <a:ln w="25400">
-            <a:tailEnd type="arrow"/>
-          </a:ln>
-        </p:spPr>
-        <p:style>
-          <a:lnRef idx="1">
-            <a:schemeClr val="accent1"/>
-          </a:lnRef>
-          <a:fillRef idx="0">
-            <a:schemeClr val="accent1"/>
-          </a:fillRef>
-          <a:effectRef idx="0">
-            <a:schemeClr val="accent1"/>
-          </a:effectRef>
-          <a:fontRef idx="minor">
-            <a:schemeClr val="tx1"/>
-          </a:fontRef>
-        </p:style>
-      </p:cxnSp>
-      <p:cxnSp>
-        <p:nvCxnSpPr>
-          <p:cNvPr id="36" name="直線單箭頭接點 35"/>
-          <p:cNvCxnSpPr/>
-          <p:nvPr/>
-        </p:nvCxnSpPr>
-        <p:spPr>
-          <a:xfrm>
-            <a:off x="2558284" y="5690925"/>
-            <a:ext cx="1944176" cy="0"/>
-          </a:xfrm>
-          <a:prstGeom prst="straightConnector1">
-            <a:avLst/>
-          </a:prstGeom>
-          <a:ln w="25400">
-            <a:tailEnd type="arrow"/>
-          </a:ln>
-        </p:spPr>
-        <p:style>
-          <a:lnRef idx="1">
-            <a:schemeClr val="accent1"/>
-          </a:lnRef>
-          <a:fillRef idx="0">
-            <a:schemeClr val="accent1"/>
-          </a:fillRef>
-          <a:effectRef idx="0">
-            <a:schemeClr val="accent1"/>
-          </a:effectRef>
-          <a:fontRef idx="minor">
-            <a:schemeClr val="tx1"/>
-          </a:fontRef>
-        </p:style>
-      </p:cxnSp>
-      <p:cxnSp>
-        <p:nvCxnSpPr>
-          <p:cNvPr id="38" name="直線單箭頭接點 37"/>
-          <p:cNvCxnSpPr/>
-          <p:nvPr/>
-        </p:nvCxnSpPr>
-        <p:spPr>
-          <a:xfrm flipV="1">
-            <a:off x="1713299" y="4960332"/>
-            <a:ext cx="0" cy="484892"/>
-          </a:xfrm>
-          <a:prstGeom prst="straightConnector1">
-            <a:avLst/>
-          </a:prstGeom>
-          <a:ln w="25400">
-            <a:tailEnd type="arrow"/>
-          </a:ln>
-        </p:spPr>
-        <p:style>
-          <a:lnRef idx="1">
-            <a:schemeClr val="accent1"/>
-          </a:lnRef>
-          <a:fillRef idx="0">
-            <a:schemeClr val="accent1"/>
-          </a:fillRef>
-          <a:effectRef idx="0">
-            <a:schemeClr val="accent1"/>
-          </a:effectRef>
-          <a:fontRef idx="minor">
-            <a:schemeClr val="tx1"/>
-          </a:fontRef>
-        </p:style>
-      </p:cxnSp>
-      <p:cxnSp>
-        <p:nvCxnSpPr>
-          <p:cNvPr id="41" name="直線單箭頭接點 40"/>
-          <p:cNvCxnSpPr/>
-          <p:nvPr/>
-        </p:nvCxnSpPr>
-        <p:spPr>
-          <a:xfrm flipH="1">
-            <a:off x="7238764" y="1587472"/>
-            <a:ext cx="639280" cy="0"/>
-          </a:xfrm>
-          <a:prstGeom prst="straightConnector1">
-            <a:avLst/>
-          </a:prstGeom>
-          <a:ln w="25400">
-            <a:tailEnd type="arrow"/>
-          </a:ln>
-        </p:spPr>
-        <p:style>
-          <a:lnRef idx="1">
-            <a:schemeClr val="accent1"/>
-          </a:lnRef>
-          <a:fillRef idx="0">
-            <a:schemeClr val="accent1"/>
-          </a:fillRef>
-          <a:effectRef idx="0">
-            <a:schemeClr val="accent1"/>
-          </a:effectRef>
-          <a:fontRef idx="minor">
-            <a:schemeClr val="tx1"/>
-          </a:fontRef>
-        </p:style>
-      </p:cxnSp>
-      <p:cxnSp>
-        <p:nvCxnSpPr>
-          <p:cNvPr id="42" name="直線接點 41"/>
-          <p:cNvCxnSpPr/>
-          <p:nvPr/>
-        </p:nvCxnSpPr>
-        <p:spPr>
-          <a:xfrm>
-            <a:off x="302928" y="3203104"/>
-            <a:ext cx="0" cy="441920"/>
-          </a:xfrm>
-          <a:prstGeom prst="line">
-            <a:avLst/>
-          </a:prstGeom>
-          <a:ln w="25400"/>
-        </p:spPr>
-        <p:style>
-          <a:lnRef idx="1">
-            <a:schemeClr val="accent1"/>
-          </a:lnRef>
-          <a:fillRef idx="0">
-            <a:schemeClr val="accent1"/>
-          </a:fillRef>
-          <a:effectRef idx="0">
-            <a:schemeClr val="accent1"/>
-          </a:effectRef>
-          <a:fontRef idx="minor">
-            <a:schemeClr val="tx1"/>
-          </a:fontRef>
-        </p:style>
-      </p:cxnSp>
-      <p:cxnSp>
-        <p:nvCxnSpPr>
-          <p:cNvPr id="43" name="直線單箭頭接點 42"/>
-          <p:cNvCxnSpPr/>
-          <p:nvPr/>
-        </p:nvCxnSpPr>
-        <p:spPr>
-          <a:xfrm>
-            <a:off x="302928" y="3186005"/>
-            <a:ext cx="247736" cy="0"/>
-          </a:xfrm>
-          <a:prstGeom prst="straightConnector1">
-            <a:avLst/>
-          </a:prstGeom>
-          <a:ln w="25400">
-            <a:tailEnd type="arrow"/>
-          </a:ln>
-        </p:spPr>
-        <p:style>
-          <a:lnRef idx="1">
-            <a:schemeClr val="accent1"/>
-          </a:lnRef>
-          <a:fillRef idx="0">
-            <a:schemeClr val="accent1"/>
-          </a:fillRef>
-          <a:effectRef idx="0">
-            <a:schemeClr val="accent1"/>
-          </a:effectRef>
-          <a:fontRef idx="minor">
-            <a:schemeClr val="tx1"/>
-          </a:fontRef>
-        </p:style>
-      </p:cxnSp>
-      <p:cxnSp>
-        <p:nvCxnSpPr>
-          <p:cNvPr id="51" name="直線接點 50"/>
-          <p:cNvCxnSpPr/>
-          <p:nvPr/>
-        </p:nvCxnSpPr>
-        <p:spPr>
-          <a:xfrm>
-            <a:off x="1691680" y="3645024"/>
-            <a:ext cx="0" cy="360040"/>
-          </a:xfrm>
-          <a:prstGeom prst="line">
-            <a:avLst/>
-          </a:prstGeom>
-          <a:ln w="25400"/>
-        </p:spPr>
-        <p:style>
-          <a:lnRef idx="1">
-            <a:schemeClr val="accent1"/>
-          </a:lnRef>
-          <a:fillRef idx="0">
-            <a:schemeClr val="accent1"/>
-          </a:fillRef>
-          <a:effectRef idx="0">
-            <a:schemeClr val="accent1"/>
-          </a:effectRef>
-          <a:fontRef idx="minor">
-            <a:schemeClr val="tx1"/>
-          </a:fontRef>
-        </p:style>
-      </p:cxnSp>
-      <p:cxnSp>
-        <p:nvCxnSpPr>
-          <p:cNvPr id="54" name="直線接點 53"/>
-          <p:cNvCxnSpPr/>
-          <p:nvPr/>
-        </p:nvCxnSpPr>
-        <p:spPr>
-          <a:xfrm>
-            <a:off x="6876256" y="2996952"/>
-            <a:ext cx="1001788" cy="0"/>
-          </a:xfrm>
-          <a:prstGeom prst="line">
-            <a:avLst/>
-          </a:prstGeom>
-          <a:ln w="25400"/>
-        </p:spPr>
-        <p:style>
-          <a:lnRef idx="1">
-            <a:schemeClr val="accent1"/>
-          </a:lnRef>
-          <a:fillRef idx="0">
-            <a:schemeClr val="accent1"/>
-          </a:fillRef>
-          <a:effectRef idx="0">
-            <a:schemeClr val="accent1"/>
-          </a:effectRef>
-          <a:fontRef idx="minor">
-            <a:schemeClr val="tx1"/>
-          </a:fontRef>
-        </p:style>
-      </p:cxnSp>
-      <p:cxnSp>
-        <p:nvCxnSpPr>
-          <p:cNvPr id="55" name="直線接點 54"/>
-          <p:cNvCxnSpPr/>
-          <p:nvPr/>
-        </p:nvCxnSpPr>
-        <p:spPr>
-          <a:xfrm>
-            <a:off x="6876256" y="3429000"/>
-            <a:ext cx="1432910" cy="0"/>
-          </a:xfrm>
-          <a:prstGeom prst="line">
-            <a:avLst/>
-          </a:prstGeom>
-          <a:ln w="25400"/>
-        </p:spPr>
-        <p:style>
-          <a:lnRef idx="1">
-            <a:schemeClr val="accent1"/>
-          </a:lnRef>
-          <a:fillRef idx="0">
-            <a:schemeClr val="accent1"/>
-          </a:fillRef>
-          <a:effectRef idx="0">
-            <a:schemeClr val="accent1"/>
-          </a:effectRef>
-          <a:fontRef idx="minor">
-            <a:schemeClr val="tx1"/>
-          </a:fontRef>
-        </p:style>
-      </p:cxnSp>
-      <p:cxnSp>
-        <p:nvCxnSpPr>
-          <p:cNvPr id="57" name="直線接點 56"/>
-          <p:cNvCxnSpPr/>
-          <p:nvPr/>
-        </p:nvCxnSpPr>
-        <p:spPr>
-          <a:xfrm flipH="1">
-            <a:off x="7878044" y="1598366"/>
-            <a:ext cx="6324" cy="1398586"/>
-          </a:xfrm>
-          <a:prstGeom prst="line">
-            <a:avLst/>
-          </a:prstGeom>
-          <a:ln w="25400"/>
-        </p:spPr>
-        <p:style>
-          <a:lnRef idx="1">
-            <a:schemeClr val="accent1"/>
-          </a:lnRef>
-          <a:fillRef idx="0">
-            <a:schemeClr val="accent1"/>
-          </a:fillRef>
-          <a:effectRef idx="0">
-            <a:schemeClr val="accent1"/>
-          </a:effectRef>
-          <a:fontRef idx="minor">
-            <a:schemeClr val="tx1"/>
-          </a:fontRef>
-        </p:style>
-      </p:cxnSp>
-      <p:cxnSp>
-        <p:nvCxnSpPr>
-          <p:cNvPr id="63" name="直線接點 62"/>
-          <p:cNvCxnSpPr/>
-          <p:nvPr/>
-        </p:nvCxnSpPr>
-        <p:spPr>
-          <a:xfrm>
-            <a:off x="7956376" y="4221088"/>
-            <a:ext cx="360040" cy="0"/>
-          </a:xfrm>
-          <a:prstGeom prst="line">
-            <a:avLst/>
-          </a:prstGeom>
-          <a:ln w="25400"/>
-        </p:spPr>
-        <p:style>
-          <a:lnRef idx="1">
-            <a:schemeClr val="accent1"/>
-          </a:lnRef>
-          <a:fillRef idx="0">
-            <a:schemeClr val="accent1"/>
-          </a:fillRef>
-          <a:effectRef idx="0">
-            <a:schemeClr val="accent1"/>
-          </a:effectRef>
-          <a:fontRef idx="minor">
-            <a:schemeClr val="tx1"/>
-          </a:fontRef>
-        </p:style>
-      </p:cxnSp>
-      <p:cxnSp>
-        <p:nvCxnSpPr>
-          <p:cNvPr id="65" name="直線接點 64"/>
-          <p:cNvCxnSpPr/>
-          <p:nvPr/>
-        </p:nvCxnSpPr>
-        <p:spPr>
-          <a:xfrm>
-            <a:off x="8301917" y="3424064"/>
-            <a:ext cx="14499" cy="797024"/>
-          </a:xfrm>
-          <a:prstGeom prst="line">
-            <a:avLst/>
-          </a:prstGeom>
-          <a:ln w="25400"/>
-        </p:spPr>
-        <p:style>
-          <a:lnRef idx="1">
-            <a:schemeClr val="accent1"/>
-          </a:lnRef>
-          <a:fillRef idx="0">
-            <a:schemeClr val="accent1"/>
-          </a:fillRef>
-          <a:effectRef idx="0">
-            <a:schemeClr val="accent1"/>
-          </a:effectRef>
-          <a:fontRef idx="minor">
-            <a:schemeClr val="tx1"/>
-          </a:fontRef>
-        </p:style>
-      </p:cxnSp>
-    </p:spTree>
-    <p:extLst>
-      <p:ext uri="{BB962C8B-B14F-4D97-AF65-F5344CB8AC3E}">
-        <p14:creationId xmlns:p14="http://schemas.microsoft.com/office/powerpoint/2010/main" val="3216688426"/>
       </p:ext>
     </p:extLst>
   </p:cSld>
@@ -5608,535 +3760,6 @@
     <p:extLst>
       <p:ext uri="{BB962C8B-B14F-4D97-AF65-F5344CB8AC3E}">
         <p14:creationId xmlns:p14="http://schemas.microsoft.com/office/powerpoint/2010/main" val="621234864"/>
-      </p:ext>
-    </p:extLst>
-  </p:cSld>
-  <p:clrMapOvr>
-    <a:masterClrMapping/>
-  </p:clrMapOvr>
-  <p:timing>
-    <p:tnLst>
-      <p:par>
-        <p:cTn id="1" dur="indefinite" restart="never" nodeType="tmRoot"/>
-      </p:par>
-    </p:tnLst>
-  </p:timing>
-</p:sld>
-</file>
-
-<file path=ppt/slides/slide4.xml><?xml version="1.0" encoding="utf-8"?>
-<p:sld xmlns:a="http://schemas.openxmlformats.org/drawingml/2006/main" xmlns:r="http://schemas.openxmlformats.org/officeDocument/2006/relationships" xmlns:p="http://schemas.openxmlformats.org/presentationml/2006/main">
-  <p:cSld>
-    <p:spTree>
-      <p:nvGrpSpPr>
-        <p:cNvPr id="1" name=""/>
-        <p:cNvGrpSpPr/>
-        <p:nvPr/>
-      </p:nvGrpSpPr>
-      <p:grpSpPr>
-        <a:xfrm>
-          <a:off x="0" y="0"/>
-          <a:ext cx="0" cy="0"/>
-          <a:chOff x="0" y="0"/>
-          <a:chExt cx="0" cy="0"/>
-        </a:xfrm>
-      </p:grpSpPr>
-      <p:sp>
-        <p:nvSpPr>
-          <p:cNvPr id="2" name="文字方塊 1"/>
-          <p:cNvSpPr txBox="1"/>
-          <p:nvPr/>
-        </p:nvSpPr>
-        <p:spPr>
-          <a:xfrm>
-            <a:off x="7020272" y="35332"/>
-            <a:ext cx="2107180" cy="369332"/>
-          </a:xfrm>
-          <a:prstGeom prst="rect">
-            <a:avLst/>
-          </a:prstGeom>
-          <a:noFill/>
-        </p:spPr>
-        <p:txBody>
-          <a:bodyPr wrap="none" rtlCol="0">
-            <a:spAutoFit/>
-          </a:bodyPr>
-          <a:lstStyle/>
-          <a:p>
-            <a:r>
-              <a:rPr lang="en-US" altLang="zh-TW" b="1" dirty="0" smtClean="0">
-                <a:solidFill>
-                  <a:srgbClr val="FF0000"/>
-                </a:solidFill>
-              </a:rPr>
-              <a:t>VIVADO HLS IP </a:t>
-            </a:r>
-            <a:r>
-              <a:rPr lang="zh-CN" altLang="en-US" b="1" dirty="0" smtClean="0">
-                <a:solidFill>
-                  <a:srgbClr val="FF0000"/>
-                </a:solidFill>
-              </a:rPr>
-              <a:t>設計</a:t>
-            </a:r>
-            <a:endParaRPr lang="zh-TW" altLang="en-US" b="1" dirty="0">
-              <a:solidFill>
-                <a:srgbClr val="FF0000"/>
-              </a:solidFill>
-            </a:endParaRPr>
-          </a:p>
-        </p:txBody>
-      </p:sp>
-      <p:sp>
-        <p:nvSpPr>
-          <p:cNvPr id="3" name="文字方塊 2"/>
-          <p:cNvSpPr txBox="1"/>
-          <p:nvPr/>
-        </p:nvSpPr>
-        <p:spPr>
-          <a:xfrm>
-            <a:off x="395536" y="980728"/>
-            <a:ext cx="5105115" cy="1200329"/>
-          </a:xfrm>
-          <a:prstGeom prst="rect">
-            <a:avLst/>
-          </a:prstGeom>
-          <a:noFill/>
-        </p:spPr>
-        <p:txBody>
-          <a:bodyPr wrap="none" rtlCol="0">
-            <a:spAutoFit/>
-          </a:bodyPr>
-          <a:lstStyle/>
-          <a:p>
-            <a:r>
-              <a:rPr lang="en-US" altLang="zh-CN" dirty="0" smtClean="0"/>
-              <a:t>Step01:  </a:t>
-            </a:r>
-            <a:r>
-              <a:rPr lang="zh-CN" altLang="en-US" dirty="0" smtClean="0"/>
-              <a:t>創建新專案</a:t>
-            </a:r>
-            <a:r>
-              <a:rPr lang="en-US" altLang="zh-CN" dirty="0" smtClean="0"/>
-              <a:t>, </a:t>
-            </a:r>
-            <a:r>
-              <a:rPr lang="zh-CN" altLang="en-US" dirty="0" smtClean="0"/>
-              <a:t>名稱為 “</a:t>
-            </a:r>
-            <a:r>
-              <a:rPr lang="en-US" altLang="zh-CN" dirty="0" smtClean="0"/>
-              <a:t>gravity_AXI4_Lite</a:t>
-            </a:r>
-            <a:r>
-              <a:rPr lang="zh-CN" altLang="en-US" dirty="0" smtClean="0"/>
-              <a:t>”</a:t>
-            </a:r>
-            <a:endParaRPr lang="en-US" altLang="zh-CN" dirty="0" smtClean="0"/>
-          </a:p>
-          <a:p>
-            <a:r>
-              <a:rPr lang="en-US" altLang="zh-TW" dirty="0" smtClean="0"/>
-              <a:t>Step02: </a:t>
-            </a:r>
-            <a:r>
-              <a:rPr lang="zh-CN" altLang="en-US" dirty="0" smtClean="0"/>
-              <a:t>選擇 </a:t>
-            </a:r>
-            <a:r>
-              <a:rPr lang="en-US" altLang="zh-CN" dirty="0" smtClean="0"/>
-              <a:t>device path:    xck7020clg400-1</a:t>
-            </a:r>
-          </a:p>
-          <a:p>
-            <a:r>
-              <a:rPr lang="en-US" altLang="zh-TW" dirty="0" smtClean="0"/>
-              <a:t>Step03: Create Block Design</a:t>
-            </a:r>
-          </a:p>
-          <a:p>
-            <a:r>
-              <a:rPr lang="en-US" altLang="zh-TW" dirty="0" smtClean="0"/>
-              <a:t>Step04: </a:t>
-            </a:r>
-            <a:endParaRPr lang="zh-TW" altLang="en-US" dirty="0"/>
-          </a:p>
-        </p:txBody>
-      </p:sp>
-    </p:spTree>
-    <p:extLst>
-      <p:ext uri="{BB962C8B-B14F-4D97-AF65-F5344CB8AC3E}">
-        <p14:creationId xmlns:p14="http://schemas.microsoft.com/office/powerpoint/2010/main" val="621234864"/>
-      </p:ext>
-    </p:extLst>
-  </p:cSld>
-  <p:clrMapOvr>
-    <a:masterClrMapping/>
-  </p:clrMapOvr>
-  <p:timing>
-    <p:tnLst>
-      <p:par>
-        <p:cTn id="1" dur="indefinite" restart="never" nodeType="tmRoot"/>
-      </p:par>
-    </p:tnLst>
-  </p:timing>
-</p:sld>
-</file>
-
-<file path=ppt/slides/slide5.xml><?xml version="1.0" encoding="utf-8"?>
-<p:sld xmlns:a="http://schemas.openxmlformats.org/drawingml/2006/main" xmlns:r="http://schemas.openxmlformats.org/officeDocument/2006/relationships" xmlns:p="http://schemas.openxmlformats.org/presentationml/2006/main">
-  <p:cSld>
-    <p:spTree>
-      <p:nvGrpSpPr>
-        <p:cNvPr id="1" name=""/>
-        <p:cNvGrpSpPr/>
-        <p:nvPr/>
-      </p:nvGrpSpPr>
-      <p:grpSpPr>
-        <a:xfrm>
-          <a:off x="0" y="0"/>
-          <a:ext cx="0" cy="0"/>
-          <a:chOff x="0" y="0"/>
-          <a:chExt cx="0" cy="0"/>
-        </a:xfrm>
-      </p:grpSpPr>
-      <p:sp>
-        <p:nvSpPr>
-          <p:cNvPr id="2" name="文字方塊 1"/>
-          <p:cNvSpPr txBox="1"/>
-          <p:nvPr/>
-        </p:nvSpPr>
-        <p:spPr>
-          <a:xfrm>
-            <a:off x="7020272" y="35332"/>
-            <a:ext cx="2107180" cy="369332"/>
-          </a:xfrm>
-          <a:prstGeom prst="rect">
-            <a:avLst/>
-          </a:prstGeom>
-          <a:noFill/>
-        </p:spPr>
-        <p:txBody>
-          <a:bodyPr wrap="none" rtlCol="0">
-            <a:spAutoFit/>
-          </a:bodyPr>
-          <a:lstStyle/>
-          <a:p>
-            <a:r>
-              <a:rPr lang="en-US" altLang="zh-TW" b="1" dirty="0" smtClean="0">
-                <a:solidFill>
-                  <a:srgbClr val="FF0000"/>
-                </a:solidFill>
-              </a:rPr>
-              <a:t>VIVADO HLS IP </a:t>
-            </a:r>
-            <a:r>
-              <a:rPr lang="zh-CN" altLang="en-US" b="1" dirty="0" smtClean="0">
-                <a:solidFill>
-                  <a:srgbClr val="FF0000"/>
-                </a:solidFill>
-              </a:rPr>
-              <a:t>設計</a:t>
-            </a:r>
-            <a:endParaRPr lang="zh-TW" altLang="en-US" b="1" dirty="0">
-              <a:solidFill>
-                <a:srgbClr val="FF0000"/>
-              </a:solidFill>
-            </a:endParaRPr>
-          </a:p>
-        </p:txBody>
-      </p:sp>
-    </p:spTree>
-    <p:extLst>
-      <p:ext uri="{BB962C8B-B14F-4D97-AF65-F5344CB8AC3E}">
-        <p14:creationId xmlns:p14="http://schemas.microsoft.com/office/powerpoint/2010/main" val="736880098"/>
-      </p:ext>
-    </p:extLst>
-  </p:cSld>
-  <p:clrMapOvr>
-    <a:masterClrMapping/>
-  </p:clrMapOvr>
-  <p:timing>
-    <p:tnLst>
-      <p:par>
-        <p:cTn id="1" dur="indefinite" restart="never" nodeType="tmRoot"/>
-      </p:par>
-    </p:tnLst>
-  </p:timing>
-</p:sld>
-</file>
-
-<file path=ppt/slides/slide6.xml><?xml version="1.0" encoding="utf-8"?>
-<p:sld xmlns:a="http://schemas.openxmlformats.org/drawingml/2006/main" xmlns:r="http://schemas.openxmlformats.org/officeDocument/2006/relationships" xmlns:p="http://schemas.openxmlformats.org/presentationml/2006/main">
-  <p:cSld>
-    <p:spTree>
-      <p:nvGrpSpPr>
-        <p:cNvPr id="1" name=""/>
-        <p:cNvGrpSpPr/>
-        <p:nvPr/>
-      </p:nvGrpSpPr>
-      <p:grpSpPr>
-        <a:xfrm>
-          <a:off x="0" y="0"/>
-          <a:ext cx="0" cy="0"/>
-          <a:chOff x="0" y="0"/>
-          <a:chExt cx="0" cy="0"/>
-        </a:xfrm>
-      </p:grpSpPr>
-      <p:sp>
-        <p:nvSpPr>
-          <p:cNvPr id="2" name="文字方塊 1"/>
-          <p:cNvSpPr txBox="1"/>
-          <p:nvPr/>
-        </p:nvSpPr>
-        <p:spPr>
-          <a:xfrm>
-            <a:off x="7020272" y="35332"/>
-            <a:ext cx="2107180" cy="369332"/>
-          </a:xfrm>
-          <a:prstGeom prst="rect">
-            <a:avLst/>
-          </a:prstGeom>
-          <a:noFill/>
-        </p:spPr>
-        <p:txBody>
-          <a:bodyPr wrap="none" rtlCol="0">
-            <a:spAutoFit/>
-          </a:bodyPr>
-          <a:lstStyle/>
-          <a:p>
-            <a:r>
-              <a:rPr lang="en-US" altLang="zh-TW" b="1" dirty="0" smtClean="0">
-                <a:solidFill>
-                  <a:srgbClr val="FF0000"/>
-                </a:solidFill>
-              </a:rPr>
-              <a:t>VIVADO HLS IP </a:t>
-            </a:r>
-            <a:r>
-              <a:rPr lang="zh-CN" altLang="en-US" b="1" dirty="0" smtClean="0">
-                <a:solidFill>
-                  <a:srgbClr val="FF0000"/>
-                </a:solidFill>
-              </a:rPr>
-              <a:t>設計</a:t>
-            </a:r>
-            <a:endParaRPr lang="zh-TW" altLang="en-US" b="1" dirty="0">
-              <a:solidFill>
-                <a:srgbClr val="FF0000"/>
-              </a:solidFill>
-            </a:endParaRPr>
-          </a:p>
-        </p:txBody>
-      </p:sp>
-    </p:spTree>
-    <p:extLst>
-      <p:ext uri="{BB962C8B-B14F-4D97-AF65-F5344CB8AC3E}">
-        <p14:creationId xmlns:p14="http://schemas.microsoft.com/office/powerpoint/2010/main" val="736880098"/>
-      </p:ext>
-    </p:extLst>
-  </p:cSld>
-  <p:clrMapOvr>
-    <a:masterClrMapping/>
-  </p:clrMapOvr>
-  <p:timing>
-    <p:tnLst>
-      <p:par>
-        <p:cTn id="1" dur="indefinite" restart="never" nodeType="tmRoot"/>
-      </p:par>
-    </p:tnLst>
-  </p:timing>
-</p:sld>
-</file>
-
-<file path=ppt/slides/slide7.xml><?xml version="1.0" encoding="utf-8"?>
-<p:sld xmlns:a="http://schemas.openxmlformats.org/drawingml/2006/main" xmlns:r="http://schemas.openxmlformats.org/officeDocument/2006/relationships" xmlns:p="http://schemas.openxmlformats.org/presentationml/2006/main">
-  <p:cSld>
-    <p:spTree>
-      <p:nvGrpSpPr>
-        <p:cNvPr id="1" name=""/>
-        <p:cNvGrpSpPr/>
-        <p:nvPr/>
-      </p:nvGrpSpPr>
-      <p:grpSpPr>
-        <a:xfrm>
-          <a:off x="0" y="0"/>
-          <a:ext cx="0" cy="0"/>
-          <a:chOff x="0" y="0"/>
-          <a:chExt cx="0" cy="0"/>
-        </a:xfrm>
-      </p:grpSpPr>
-      <p:sp>
-        <p:nvSpPr>
-          <p:cNvPr id="2" name="文字方塊 1"/>
-          <p:cNvSpPr txBox="1"/>
-          <p:nvPr/>
-        </p:nvSpPr>
-        <p:spPr>
-          <a:xfrm>
-            <a:off x="7020272" y="35332"/>
-            <a:ext cx="2107180" cy="369332"/>
-          </a:xfrm>
-          <a:prstGeom prst="rect">
-            <a:avLst/>
-          </a:prstGeom>
-          <a:noFill/>
-        </p:spPr>
-        <p:txBody>
-          <a:bodyPr wrap="none" rtlCol="0">
-            <a:spAutoFit/>
-          </a:bodyPr>
-          <a:lstStyle/>
-          <a:p>
-            <a:r>
-              <a:rPr lang="en-US" altLang="zh-TW" b="1" dirty="0" smtClean="0">
-                <a:solidFill>
-                  <a:srgbClr val="FF0000"/>
-                </a:solidFill>
-              </a:rPr>
-              <a:t>VIVADO HLS IP </a:t>
-            </a:r>
-            <a:r>
-              <a:rPr lang="zh-CN" altLang="en-US" b="1" dirty="0" smtClean="0">
-                <a:solidFill>
-                  <a:srgbClr val="FF0000"/>
-                </a:solidFill>
-              </a:rPr>
-              <a:t>設計</a:t>
-            </a:r>
-            <a:endParaRPr lang="zh-TW" altLang="en-US" b="1" dirty="0">
-              <a:solidFill>
-                <a:srgbClr val="FF0000"/>
-              </a:solidFill>
-            </a:endParaRPr>
-          </a:p>
-        </p:txBody>
-      </p:sp>
-    </p:spTree>
-    <p:extLst>
-      <p:ext uri="{BB962C8B-B14F-4D97-AF65-F5344CB8AC3E}">
-        <p14:creationId xmlns:p14="http://schemas.microsoft.com/office/powerpoint/2010/main" val="736880098"/>
-      </p:ext>
-    </p:extLst>
-  </p:cSld>
-  <p:clrMapOvr>
-    <a:masterClrMapping/>
-  </p:clrMapOvr>
-  <p:timing>
-    <p:tnLst>
-      <p:par>
-        <p:cTn id="1" dur="indefinite" restart="never" nodeType="tmRoot"/>
-      </p:par>
-    </p:tnLst>
-  </p:timing>
-</p:sld>
-</file>
-
-<file path=ppt/slides/slide8.xml><?xml version="1.0" encoding="utf-8"?>
-<p:sld xmlns:a="http://schemas.openxmlformats.org/drawingml/2006/main" xmlns:r="http://schemas.openxmlformats.org/officeDocument/2006/relationships" xmlns:p="http://schemas.openxmlformats.org/presentationml/2006/main">
-  <p:cSld>
-    <p:spTree>
-      <p:nvGrpSpPr>
-        <p:cNvPr id="1" name=""/>
-        <p:cNvGrpSpPr/>
-        <p:nvPr/>
-      </p:nvGrpSpPr>
-      <p:grpSpPr>
-        <a:xfrm>
-          <a:off x="0" y="0"/>
-          <a:ext cx="0" cy="0"/>
-          <a:chOff x="0" y="0"/>
-          <a:chExt cx="0" cy="0"/>
-        </a:xfrm>
-      </p:grpSpPr>
-      <p:sp>
-        <p:nvSpPr>
-          <p:cNvPr id="2" name="文字方塊 1"/>
-          <p:cNvSpPr txBox="1"/>
-          <p:nvPr/>
-        </p:nvSpPr>
-        <p:spPr>
-          <a:xfrm>
-            <a:off x="7020272" y="35332"/>
-            <a:ext cx="2107180" cy="369332"/>
-          </a:xfrm>
-          <a:prstGeom prst="rect">
-            <a:avLst/>
-          </a:prstGeom>
-          <a:noFill/>
-        </p:spPr>
-        <p:txBody>
-          <a:bodyPr wrap="none" rtlCol="0">
-            <a:spAutoFit/>
-          </a:bodyPr>
-          <a:lstStyle/>
-          <a:p>
-            <a:r>
-              <a:rPr lang="en-US" altLang="zh-TW" b="1" dirty="0" smtClean="0">
-                <a:solidFill>
-                  <a:srgbClr val="FF0000"/>
-                </a:solidFill>
-              </a:rPr>
-              <a:t>VIVADO HLS IP </a:t>
-            </a:r>
-            <a:r>
-              <a:rPr lang="zh-CN" altLang="en-US" b="1" dirty="0" smtClean="0">
-                <a:solidFill>
-                  <a:srgbClr val="FF0000"/>
-                </a:solidFill>
-              </a:rPr>
-              <a:t>設計</a:t>
-            </a:r>
-            <a:endParaRPr lang="zh-TW" altLang="en-US" b="1" dirty="0">
-              <a:solidFill>
-                <a:srgbClr val="FF0000"/>
-              </a:solidFill>
-            </a:endParaRPr>
-          </a:p>
-        </p:txBody>
-      </p:sp>
-    </p:spTree>
-    <p:extLst>
-      <p:ext uri="{BB962C8B-B14F-4D97-AF65-F5344CB8AC3E}">
-        <p14:creationId xmlns:p14="http://schemas.microsoft.com/office/powerpoint/2010/main" val="736880098"/>
-      </p:ext>
-    </p:extLst>
-  </p:cSld>
-  <p:clrMapOvr>
-    <a:masterClrMapping/>
-  </p:clrMapOvr>
-  <p:timing>
-    <p:tnLst>
-      <p:par>
-        <p:cTn id="1" dur="indefinite" restart="never" nodeType="tmRoot"/>
-      </p:par>
-    </p:tnLst>
-  </p:timing>
-</p:sld>
-</file>
-
-<file path=ppt/slides/slide9.xml><?xml version="1.0" encoding="utf-8"?>
-<p:sld xmlns:a="http://schemas.openxmlformats.org/drawingml/2006/main" xmlns:r="http://schemas.openxmlformats.org/officeDocument/2006/relationships" xmlns:p="http://schemas.openxmlformats.org/presentationml/2006/main">
-  <p:cSld>
-    <p:spTree>
-      <p:nvGrpSpPr>
-        <p:cNvPr id="1" name=""/>
-        <p:cNvGrpSpPr/>
-        <p:nvPr/>
-      </p:nvGrpSpPr>
-      <p:grpSpPr>
-        <a:xfrm>
-          <a:off x="0" y="0"/>
-          <a:ext cx="0" cy="0"/>
-          <a:chOff x="0" y="0"/>
-          <a:chExt cx="0" cy="0"/>
-        </a:xfrm>
-      </p:grpSpPr>
-    </p:spTree>
-    <p:extLst>
-      <p:ext uri="{BB962C8B-B14F-4D97-AF65-F5344CB8AC3E}">
-        <p14:creationId xmlns:p14="http://schemas.microsoft.com/office/powerpoint/2010/main" val="736880098"/>
       </p:ext>
     </p:extLst>
   </p:cSld>
